--- a/ppt 16-9/1569.主当我向祢跪下.pptx
+++ b/ppt 16-9/1569.主当我向祢跪下.pptx
@@ -5,7 +5,7 @@
     <p:sldMasterId id="2147483648" r:id="rId1"/>
   </p:sldMasterIdLst>
   <p:sldIdLst>
-    <p:sldId id="3423" r:id="rId2"/>
+    <p:sldId id="3424" r:id="rId2"/>
   </p:sldIdLst>
   <p:sldSz cx="12192000" cy="6858000"/>
   <p:notesSz cx="6858000" cy="9144000"/>
@@ -129,7 +129,7 @@
           <p:cNvPr id="2" name="标题 1">
             <a:extLst>
               <a:ext uri="{FF2B5EF4-FFF2-40B4-BE49-F238E27FC236}">
-                <a16:creationId xmlns:a16="http://schemas.microsoft.com/office/drawing/2014/main" id="{E0080573-81C8-EFAA-F2B0-28CE1A691B4F}"/>
+                <a16:creationId xmlns:a16="http://schemas.microsoft.com/office/drawing/2014/main" id="{2E6C9003-5AA1-ECEB-8504-2E96C8A51BE7}"/>
               </a:ext>
             </a:extLst>
           </p:cNvPr>
@@ -166,7 +166,7 @@
           <p:cNvPr id="3" name="副标题 2">
             <a:extLst>
               <a:ext uri="{FF2B5EF4-FFF2-40B4-BE49-F238E27FC236}">
-                <a16:creationId xmlns:a16="http://schemas.microsoft.com/office/drawing/2014/main" id="{DFDA1613-E54E-C8F8-9E7D-6ACA6A0BAF0A}"/>
+                <a16:creationId xmlns:a16="http://schemas.microsoft.com/office/drawing/2014/main" id="{EA7DD3CA-8F92-DFB9-F68C-0E14CDC5C4A5}"/>
               </a:ext>
             </a:extLst>
           </p:cNvPr>
@@ -236,7 +236,7 @@
           <p:cNvPr id="4" name="日期占位符 3">
             <a:extLst>
               <a:ext uri="{FF2B5EF4-FFF2-40B4-BE49-F238E27FC236}">
-                <a16:creationId xmlns:a16="http://schemas.microsoft.com/office/drawing/2014/main" id="{C7C03CBB-8046-4CE1-2159-87649CF91FEF}"/>
+                <a16:creationId xmlns:a16="http://schemas.microsoft.com/office/drawing/2014/main" id="{63F5D7E8-B47B-9989-2D35-A2BAB42FC22A}"/>
               </a:ext>
             </a:extLst>
           </p:cNvPr>
@@ -252,7 +252,7 @@
           <a:bodyPr/>
           <a:lstStyle/>
           <a:p>
-            <a:fld id="{615513A5-2084-4B48-8724-FC0B557DC8AC}" type="datetimeFigureOut">
+            <a:fld id="{3F59244C-E820-4700-AC87-4EAE68271008}" type="datetimeFigureOut">
               <a:rPr lang="zh-CN" altLang="en-US" smtClean="0"/>
               <a:t>2024/3/10</a:t>
             </a:fld>
@@ -265,7 +265,7 @@
           <p:cNvPr id="5" name="页脚占位符 4">
             <a:extLst>
               <a:ext uri="{FF2B5EF4-FFF2-40B4-BE49-F238E27FC236}">
-                <a16:creationId xmlns:a16="http://schemas.microsoft.com/office/drawing/2014/main" id="{2DA0C0CB-A823-4289-5044-DBC577E9C7B4}"/>
+                <a16:creationId xmlns:a16="http://schemas.microsoft.com/office/drawing/2014/main" id="{6013B6BE-41E8-9BCD-1F9E-5C5E5D902464}"/>
               </a:ext>
             </a:extLst>
           </p:cNvPr>
@@ -290,7 +290,7 @@
           <p:cNvPr id="6" name="灯片编号占位符 5">
             <a:extLst>
               <a:ext uri="{FF2B5EF4-FFF2-40B4-BE49-F238E27FC236}">
-                <a16:creationId xmlns:a16="http://schemas.microsoft.com/office/drawing/2014/main" id="{6421DC17-D1E7-B8B6-2312-C31D8A7C1109}"/>
+                <a16:creationId xmlns:a16="http://schemas.microsoft.com/office/drawing/2014/main" id="{8B094DEE-BCCF-921C-A336-B411D532E759}"/>
               </a:ext>
             </a:extLst>
           </p:cNvPr>
@@ -306,7 +306,7 @@
           <a:bodyPr/>
           <a:lstStyle/>
           <a:p>
-            <a:fld id="{E3A4D52E-16E8-4CF9-9C74-FF4A6EA75734}" type="slidenum">
+            <a:fld id="{C762D7B2-E9E6-47FC-9CD8-29DB53F4C072}" type="slidenum">
               <a:rPr lang="zh-CN" altLang="en-US" smtClean="0"/>
               <a:t>‹#›</a:t>
             </a:fld>
@@ -317,7 +317,7 @@
     </p:spTree>
     <p:extLst>
       <p:ext uri="{BB962C8B-B14F-4D97-AF65-F5344CB8AC3E}">
-        <p14:creationId xmlns:p14="http://schemas.microsoft.com/office/powerpoint/2010/main" val="1851573035"/>
+        <p14:creationId xmlns:p14="http://schemas.microsoft.com/office/powerpoint/2010/main" val="1500994131"/>
       </p:ext>
     </p:extLst>
   </p:cSld>
@@ -349,7 +349,7 @@
           <p:cNvPr id="2" name="标题 1">
             <a:extLst>
               <a:ext uri="{FF2B5EF4-FFF2-40B4-BE49-F238E27FC236}">
-                <a16:creationId xmlns:a16="http://schemas.microsoft.com/office/drawing/2014/main" id="{A6AEEA22-4BAF-E23A-B765-E9A5166353EF}"/>
+                <a16:creationId xmlns:a16="http://schemas.microsoft.com/office/drawing/2014/main" id="{C0EAB30C-14F6-D0B1-B2A6-881C4FB1F9BD}"/>
               </a:ext>
             </a:extLst>
           </p:cNvPr>
@@ -377,7 +377,7 @@
           <p:cNvPr id="3" name="竖排文字占位符 2">
             <a:extLst>
               <a:ext uri="{FF2B5EF4-FFF2-40B4-BE49-F238E27FC236}">
-                <a16:creationId xmlns:a16="http://schemas.microsoft.com/office/drawing/2014/main" id="{68533154-B5EF-B6C9-B539-4F394046BCD4}"/>
+                <a16:creationId xmlns:a16="http://schemas.microsoft.com/office/drawing/2014/main" id="{9DABE532-2180-5068-57F4-AA28A07EC0D1}"/>
               </a:ext>
             </a:extLst>
           </p:cNvPr>
@@ -434,7 +434,7 @@
           <p:cNvPr id="4" name="日期占位符 3">
             <a:extLst>
               <a:ext uri="{FF2B5EF4-FFF2-40B4-BE49-F238E27FC236}">
-                <a16:creationId xmlns:a16="http://schemas.microsoft.com/office/drawing/2014/main" id="{4F28FBB7-5764-2796-D351-D45155DEBD1C}"/>
+                <a16:creationId xmlns:a16="http://schemas.microsoft.com/office/drawing/2014/main" id="{0253AFFC-D4EB-6C32-983B-1B80350D2977}"/>
               </a:ext>
             </a:extLst>
           </p:cNvPr>
@@ -450,7 +450,7 @@
           <a:bodyPr/>
           <a:lstStyle/>
           <a:p>
-            <a:fld id="{615513A5-2084-4B48-8724-FC0B557DC8AC}" type="datetimeFigureOut">
+            <a:fld id="{3F59244C-E820-4700-AC87-4EAE68271008}" type="datetimeFigureOut">
               <a:rPr lang="zh-CN" altLang="en-US" smtClean="0"/>
               <a:t>2024/3/10</a:t>
             </a:fld>
@@ -463,7 +463,7 @@
           <p:cNvPr id="5" name="页脚占位符 4">
             <a:extLst>
               <a:ext uri="{FF2B5EF4-FFF2-40B4-BE49-F238E27FC236}">
-                <a16:creationId xmlns:a16="http://schemas.microsoft.com/office/drawing/2014/main" id="{7DCC2D49-2B67-B85F-EB20-F08B72515079}"/>
+                <a16:creationId xmlns:a16="http://schemas.microsoft.com/office/drawing/2014/main" id="{FEE641B9-BA73-D623-357E-D64AB305951B}"/>
               </a:ext>
             </a:extLst>
           </p:cNvPr>
@@ -488,7 +488,7 @@
           <p:cNvPr id="6" name="灯片编号占位符 5">
             <a:extLst>
               <a:ext uri="{FF2B5EF4-FFF2-40B4-BE49-F238E27FC236}">
-                <a16:creationId xmlns:a16="http://schemas.microsoft.com/office/drawing/2014/main" id="{9023E901-20B7-90FA-5FD3-B1B91DDC1BF6}"/>
+                <a16:creationId xmlns:a16="http://schemas.microsoft.com/office/drawing/2014/main" id="{CEDB2A7A-64B2-2FB6-F15A-4DC18506E41A}"/>
               </a:ext>
             </a:extLst>
           </p:cNvPr>
@@ -504,7 +504,7 @@
           <a:bodyPr/>
           <a:lstStyle/>
           <a:p>
-            <a:fld id="{E3A4D52E-16E8-4CF9-9C74-FF4A6EA75734}" type="slidenum">
+            <a:fld id="{C762D7B2-E9E6-47FC-9CD8-29DB53F4C072}" type="slidenum">
               <a:rPr lang="zh-CN" altLang="en-US" smtClean="0"/>
               <a:t>‹#›</a:t>
             </a:fld>
@@ -515,7 +515,7 @@
     </p:spTree>
     <p:extLst>
       <p:ext uri="{BB962C8B-B14F-4D97-AF65-F5344CB8AC3E}">
-        <p14:creationId xmlns:p14="http://schemas.microsoft.com/office/powerpoint/2010/main" val="1155728758"/>
+        <p14:creationId xmlns:p14="http://schemas.microsoft.com/office/powerpoint/2010/main" val="2481858494"/>
       </p:ext>
     </p:extLst>
   </p:cSld>
@@ -547,7 +547,7 @@
           <p:cNvPr id="2" name="竖排标题 1">
             <a:extLst>
               <a:ext uri="{FF2B5EF4-FFF2-40B4-BE49-F238E27FC236}">
-                <a16:creationId xmlns:a16="http://schemas.microsoft.com/office/drawing/2014/main" id="{FC23B64F-73D9-AAF8-169E-81923E1AF3A9}"/>
+                <a16:creationId xmlns:a16="http://schemas.microsoft.com/office/drawing/2014/main" id="{E8142924-DCAE-3E1D-3740-13AA0C6B0E44}"/>
               </a:ext>
             </a:extLst>
           </p:cNvPr>
@@ -580,7 +580,7 @@
           <p:cNvPr id="3" name="竖排文字占位符 2">
             <a:extLst>
               <a:ext uri="{FF2B5EF4-FFF2-40B4-BE49-F238E27FC236}">
-                <a16:creationId xmlns:a16="http://schemas.microsoft.com/office/drawing/2014/main" id="{26B43B8E-DAF9-5BC5-EF77-D1A23DED9DE9}"/>
+                <a16:creationId xmlns:a16="http://schemas.microsoft.com/office/drawing/2014/main" id="{F65B29D3-2313-3544-FD44-5807C383D447}"/>
               </a:ext>
             </a:extLst>
           </p:cNvPr>
@@ -642,7 +642,7 @@
           <p:cNvPr id="4" name="日期占位符 3">
             <a:extLst>
               <a:ext uri="{FF2B5EF4-FFF2-40B4-BE49-F238E27FC236}">
-                <a16:creationId xmlns:a16="http://schemas.microsoft.com/office/drawing/2014/main" id="{C09CE7DF-BA55-68D9-ACA5-DF14D9A36D4B}"/>
+                <a16:creationId xmlns:a16="http://schemas.microsoft.com/office/drawing/2014/main" id="{DDB4F576-D2CE-DE9C-3937-1E0E773179D2}"/>
               </a:ext>
             </a:extLst>
           </p:cNvPr>
@@ -658,7 +658,7 @@
           <a:bodyPr/>
           <a:lstStyle/>
           <a:p>
-            <a:fld id="{615513A5-2084-4B48-8724-FC0B557DC8AC}" type="datetimeFigureOut">
+            <a:fld id="{3F59244C-E820-4700-AC87-4EAE68271008}" type="datetimeFigureOut">
               <a:rPr lang="zh-CN" altLang="en-US" smtClean="0"/>
               <a:t>2024/3/10</a:t>
             </a:fld>
@@ -671,7 +671,7 @@
           <p:cNvPr id="5" name="页脚占位符 4">
             <a:extLst>
               <a:ext uri="{FF2B5EF4-FFF2-40B4-BE49-F238E27FC236}">
-                <a16:creationId xmlns:a16="http://schemas.microsoft.com/office/drawing/2014/main" id="{D7526E09-0686-5559-50D7-F123FAF842F3}"/>
+                <a16:creationId xmlns:a16="http://schemas.microsoft.com/office/drawing/2014/main" id="{14A6BECE-74FF-39F7-E4AF-ED07C86E1806}"/>
               </a:ext>
             </a:extLst>
           </p:cNvPr>
@@ -696,7 +696,7 @@
           <p:cNvPr id="6" name="灯片编号占位符 5">
             <a:extLst>
               <a:ext uri="{FF2B5EF4-FFF2-40B4-BE49-F238E27FC236}">
-                <a16:creationId xmlns:a16="http://schemas.microsoft.com/office/drawing/2014/main" id="{71ADE7D6-F3AC-28AC-F48E-A35CB7A0A7C0}"/>
+                <a16:creationId xmlns:a16="http://schemas.microsoft.com/office/drawing/2014/main" id="{838B404A-4B9F-C0AA-4500-8FD9EA72A1CB}"/>
               </a:ext>
             </a:extLst>
           </p:cNvPr>
@@ -712,7 +712,7 @@
           <a:bodyPr/>
           <a:lstStyle/>
           <a:p>
-            <a:fld id="{E3A4D52E-16E8-4CF9-9C74-FF4A6EA75734}" type="slidenum">
+            <a:fld id="{C762D7B2-E9E6-47FC-9CD8-29DB53F4C072}" type="slidenum">
               <a:rPr lang="zh-CN" altLang="en-US" smtClean="0"/>
               <a:t>‹#›</a:t>
             </a:fld>
@@ -723,7 +723,7 @@
     </p:spTree>
     <p:extLst>
       <p:ext uri="{BB962C8B-B14F-4D97-AF65-F5344CB8AC3E}">
-        <p14:creationId xmlns:p14="http://schemas.microsoft.com/office/powerpoint/2010/main" val="1600232584"/>
+        <p14:creationId xmlns:p14="http://schemas.microsoft.com/office/powerpoint/2010/main" val="335551902"/>
       </p:ext>
     </p:extLst>
   </p:cSld>
@@ -755,7 +755,7 @@
           <p:cNvPr id="2" name="标题 1">
             <a:extLst>
               <a:ext uri="{FF2B5EF4-FFF2-40B4-BE49-F238E27FC236}">
-                <a16:creationId xmlns:a16="http://schemas.microsoft.com/office/drawing/2014/main" id="{0B8BA466-5B06-58E8-0AC5-EC4CD5B50F78}"/>
+                <a16:creationId xmlns:a16="http://schemas.microsoft.com/office/drawing/2014/main" id="{EEA09B9C-0347-7BF1-3C95-E5345F1E5B3A}"/>
               </a:ext>
             </a:extLst>
           </p:cNvPr>
@@ -783,7 +783,7 @@
           <p:cNvPr id="3" name="内容占位符 2">
             <a:extLst>
               <a:ext uri="{FF2B5EF4-FFF2-40B4-BE49-F238E27FC236}">
-                <a16:creationId xmlns:a16="http://schemas.microsoft.com/office/drawing/2014/main" id="{D75BEBB5-E996-2A72-25C6-B50E796C9B4E}"/>
+                <a16:creationId xmlns:a16="http://schemas.microsoft.com/office/drawing/2014/main" id="{D6A6286B-BED3-F686-B2EA-8C8E8664E461}"/>
               </a:ext>
             </a:extLst>
           </p:cNvPr>
@@ -840,7 +840,7 @@
           <p:cNvPr id="4" name="日期占位符 3">
             <a:extLst>
               <a:ext uri="{FF2B5EF4-FFF2-40B4-BE49-F238E27FC236}">
-                <a16:creationId xmlns:a16="http://schemas.microsoft.com/office/drawing/2014/main" id="{07618BD2-037B-61BB-C1F3-C24F97FADFA3}"/>
+                <a16:creationId xmlns:a16="http://schemas.microsoft.com/office/drawing/2014/main" id="{8AFCBD02-05A2-B233-F112-FD875AF7FFFC}"/>
               </a:ext>
             </a:extLst>
           </p:cNvPr>
@@ -856,7 +856,7 @@
           <a:bodyPr/>
           <a:lstStyle/>
           <a:p>
-            <a:fld id="{615513A5-2084-4B48-8724-FC0B557DC8AC}" type="datetimeFigureOut">
+            <a:fld id="{3F59244C-E820-4700-AC87-4EAE68271008}" type="datetimeFigureOut">
               <a:rPr lang="zh-CN" altLang="en-US" smtClean="0"/>
               <a:t>2024/3/10</a:t>
             </a:fld>
@@ -869,7 +869,7 @@
           <p:cNvPr id="5" name="页脚占位符 4">
             <a:extLst>
               <a:ext uri="{FF2B5EF4-FFF2-40B4-BE49-F238E27FC236}">
-                <a16:creationId xmlns:a16="http://schemas.microsoft.com/office/drawing/2014/main" id="{64F979FA-A9AB-72D6-783A-526732D0CE91}"/>
+                <a16:creationId xmlns:a16="http://schemas.microsoft.com/office/drawing/2014/main" id="{293B43A5-5CF3-8F02-CB3A-B11744FCEEF3}"/>
               </a:ext>
             </a:extLst>
           </p:cNvPr>
@@ -894,7 +894,7 @@
           <p:cNvPr id="6" name="灯片编号占位符 5">
             <a:extLst>
               <a:ext uri="{FF2B5EF4-FFF2-40B4-BE49-F238E27FC236}">
-                <a16:creationId xmlns:a16="http://schemas.microsoft.com/office/drawing/2014/main" id="{F626EBFA-A550-BE52-D16D-0F23E52034B1}"/>
+                <a16:creationId xmlns:a16="http://schemas.microsoft.com/office/drawing/2014/main" id="{D6F93892-D0DA-0EF2-660C-B979A3B51C7C}"/>
               </a:ext>
             </a:extLst>
           </p:cNvPr>
@@ -910,7 +910,7 @@
           <a:bodyPr/>
           <a:lstStyle/>
           <a:p>
-            <a:fld id="{E3A4D52E-16E8-4CF9-9C74-FF4A6EA75734}" type="slidenum">
+            <a:fld id="{C762D7B2-E9E6-47FC-9CD8-29DB53F4C072}" type="slidenum">
               <a:rPr lang="zh-CN" altLang="en-US" smtClean="0"/>
               <a:t>‹#›</a:t>
             </a:fld>
@@ -921,7 +921,7 @@
     </p:spTree>
     <p:extLst>
       <p:ext uri="{BB962C8B-B14F-4D97-AF65-F5344CB8AC3E}">
-        <p14:creationId xmlns:p14="http://schemas.microsoft.com/office/powerpoint/2010/main" val="1659444435"/>
+        <p14:creationId xmlns:p14="http://schemas.microsoft.com/office/powerpoint/2010/main" val="1649552899"/>
       </p:ext>
     </p:extLst>
   </p:cSld>
@@ -953,7 +953,7 @@
           <p:cNvPr id="2" name="标题 1">
             <a:extLst>
               <a:ext uri="{FF2B5EF4-FFF2-40B4-BE49-F238E27FC236}">
-                <a16:creationId xmlns:a16="http://schemas.microsoft.com/office/drawing/2014/main" id="{E3658690-C430-605B-E554-7B61CD27593C}"/>
+                <a16:creationId xmlns:a16="http://schemas.microsoft.com/office/drawing/2014/main" id="{EEF59967-88E3-7460-ACF2-7384CC4BFFC1}"/>
               </a:ext>
             </a:extLst>
           </p:cNvPr>
@@ -990,7 +990,7 @@
           <p:cNvPr id="3" name="文本占位符 2">
             <a:extLst>
               <a:ext uri="{FF2B5EF4-FFF2-40B4-BE49-F238E27FC236}">
-                <a16:creationId xmlns:a16="http://schemas.microsoft.com/office/drawing/2014/main" id="{97B21A08-6FD8-5002-564C-63EE7A612ABF}"/>
+                <a16:creationId xmlns:a16="http://schemas.microsoft.com/office/drawing/2014/main" id="{FBFFD237-743E-8EEA-7943-9588BCB3DC6F}"/>
               </a:ext>
             </a:extLst>
           </p:cNvPr>
@@ -1115,7 +1115,7 @@
           <p:cNvPr id="4" name="日期占位符 3">
             <a:extLst>
               <a:ext uri="{FF2B5EF4-FFF2-40B4-BE49-F238E27FC236}">
-                <a16:creationId xmlns:a16="http://schemas.microsoft.com/office/drawing/2014/main" id="{EA6A73F3-4EB7-71DE-3B9F-A042D6849768}"/>
+                <a16:creationId xmlns:a16="http://schemas.microsoft.com/office/drawing/2014/main" id="{ED7C0F3F-53F1-A428-4FAF-7202E2793612}"/>
               </a:ext>
             </a:extLst>
           </p:cNvPr>
@@ -1131,7 +1131,7 @@
           <a:bodyPr/>
           <a:lstStyle/>
           <a:p>
-            <a:fld id="{615513A5-2084-4B48-8724-FC0B557DC8AC}" type="datetimeFigureOut">
+            <a:fld id="{3F59244C-E820-4700-AC87-4EAE68271008}" type="datetimeFigureOut">
               <a:rPr lang="zh-CN" altLang="en-US" smtClean="0"/>
               <a:t>2024/3/10</a:t>
             </a:fld>
@@ -1144,7 +1144,7 @@
           <p:cNvPr id="5" name="页脚占位符 4">
             <a:extLst>
               <a:ext uri="{FF2B5EF4-FFF2-40B4-BE49-F238E27FC236}">
-                <a16:creationId xmlns:a16="http://schemas.microsoft.com/office/drawing/2014/main" id="{AE99AEFD-D228-789E-90C7-E490FE69525B}"/>
+                <a16:creationId xmlns:a16="http://schemas.microsoft.com/office/drawing/2014/main" id="{7048EE68-089B-A9B3-EEF8-C9102F6978CC}"/>
               </a:ext>
             </a:extLst>
           </p:cNvPr>
@@ -1169,7 +1169,7 @@
           <p:cNvPr id="6" name="灯片编号占位符 5">
             <a:extLst>
               <a:ext uri="{FF2B5EF4-FFF2-40B4-BE49-F238E27FC236}">
-                <a16:creationId xmlns:a16="http://schemas.microsoft.com/office/drawing/2014/main" id="{0CDFF693-AA25-F8D8-01C0-46B25BC6C832}"/>
+                <a16:creationId xmlns:a16="http://schemas.microsoft.com/office/drawing/2014/main" id="{900DB0C9-72EE-0609-0EA6-7979A61927B2}"/>
               </a:ext>
             </a:extLst>
           </p:cNvPr>
@@ -1185,7 +1185,7 @@
           <a:bodyPr/>
           <a:lstStyle/>
           <a:p>
-            <a:fld id="{E3A4D52E-16E8-4CF9-9C74-FF4A6EA75734}" type="slidenum">
+            <a:fld id="{C762D7B2-E9E6-47FC-9CD8-29DB53F4C072}" type="slidenum">
               <a:rPr lang="zh-CN" altLang="en-US" smtClean="0"/>
               <a:t>‹#›</a:t>
             </a:fld>
@@ -1196,7 +1196,7 @@
     </p:spTree>
     <p:extLst>
       <p:ext uri="{BB962C8B-B14F-4D97-AF65-F5344CB8AC3E}">
-        <p14:creationId xmlns:p14="http://schemas.microsoft.com/office/powerpoint/2010/main" val="1515341059"/>
+        <p14:creationId xmlns:p14="http://schemas.microsoft.com/office/powerpoint/2010/main" val="3679095678"/>
       </p:ext>
     </p:extLst>
   </p:cSld>
@@ -1228,7 +1228,7 @@
           <p:cNvPr id="2" name="标题 1">
             <a:extLst>
               <a:ext uri="{FF2B5EF4-FFF2-40B4-BE49-F238E27FC236}">
-                <a16:creationId xmlns:a16="http://schemas.microsoft.com/office/drawing/2014/main" id="{B2BFC0DD-9ACD-35A8-206C-18851F898F7E}"/>
+                <a16:creationId xmlns:a16="http://schemas.microsoft.com/office/drawing/2014/main" id="{EF4D204D-0D28-6E85-ED04-EF605AE7686A}"/>
               </a:ext>
             </a:extLst>
           </p:cNvPr>
@@ -1256,7 +1256,7 @@
           <p:cNvPr id="3" name="内容占位符 2">
             <a:extLst>
               <a:ext uri="{FF2B5EF4-FFF2-40B4-BE49-F238E27FC236}">
-                <a16:creationId xmlns:a16="http://schemas.microsoft.com/office/drawing/2014/main" id="{FF8F7AF9-F6D4-F363-D063-DF449FE62833}"/>
+                <a16:creationId xmlns:a16="http://schemas.microsoft.com/office/drawing/2014/main" id="{6AF110C3-BB53-1742-20F2-FC420E358C2F}"/>
               </a:ext>
             </a:extLst>
           </p:cNvPr>
@@ -1318,7 +1318,7 @@
           <p:cNvPr id="4" name="内容占位符 3">
             <a:extLst>
               <a:ext uri="{FF2B5EF4-FFF2-40B4-BE49-F238E27FC236}">
-                <a16:creationId xmlns:a16="http://schemas.microsoft.com/office/drawing/2014/main" id="{8991E0F7-B2DC-EFB6-892D-8F8F2E764287}"/>
+                <a16:creationId xmlns:a16="http://schemas.microsoft.com/office/drawing/2014/main" id="{9040D8C3-F843-7A19-A466-81BEC2A9C59F}"/>
               </a:ext>
             </a:extLst>
           </p:cNvPr>
@@ -1380,7 +1380,7 @@
           <p:cNvPr id="5" name="日期占位符 4">
             <a:extLst>
               <a:ext uri="{FF2B5EF4-FFF2-40B4-BE49-F238E27FC236}">
-                <a16:creationId xmlns:a16="http://schemas.microsoft.com/office/drawing/2014/main" id="{ED8D0B1F-4340-B0C5-CE50-92845C9C6956}"/>
+                <a16:creationId xmlns:a16="http://schemas.microsoft.com/office/drawing/2014/main" id="{FA23E874-B061-FB6E-6787-8FB5DCE4632F}"/>
               </a:ext>
             </a:extLst>
           </p:cNvPr>
@@ -1396,7 +1396,7 @@
           <a:bodyPr/>
           <a:lstStyle/>
           <a:p>
-            <a:fld id="{615513A5-2084-4B48-8724-FC0B557DC8AC}" type="datetimeFigureOut">
+            <a:fld id="{3F59244C-E820-4700-AC87-4EAE68271008}" type="datetimeFigureOut">
               <a:rPr lang="zh-CN" altLang="en-US" smtClean="0"/>
               <a:t>2024/3/10</a:t>
             </a:fld>
@@ -1409,7 +1409,7 @@
           <p:cNvPr id="6" name="页脚占位符 5">
             <a:extLst>
               <a:ext uri="{FF2B5EF4-FFF2-40B4-BE49-F238E27FC236}">
-                <a16:creationId xmlns:a16="http://schemas.microsoft.com/office/drawing/2014/main" id="{97FB9A06-48C9-B55B-A669-56ED892DA476}"/>
+                <a16:creationId xmlns:a16="http://schemas.microsoft.com/office/drawing/2014/main" id="{425F0D19-9046-9A87-EA2B-D4BD27521DFB}"/>
               </a:ext>
             </a:extLst>
           </p:cNvPr>
@@ -1434,7 +1434,7 @@
           <p:cNvPr id="7" name="灯片编号占位符 6">
             <a:extLst>
               <a:ext uri="{FF2B5EF4-FFF2-40B4-BE49-F238E27FC236}">
-                <a16:creationId xmlns:a16="http://schemas.microsoft.com/office/drawing/2014/main" id="{5E181AF3-FFA1-B399-1768-64B6E57A9C2A}"/>
+                <a16:creationId xmlns:a16="http://schemas.microsoft.com/office/drawing/2014/main" id="{9BE7FDAA-DEC3-A488-0B00-6D1FA5739BA7}"/>
               </a:ext>
             </a:extLst>
           </p:cNvPr>
@@ -1450,7 +1450,7 @@
           <a:bodyPr/>
           <a:lstStyle/>
           <a:p>
-            <a:fld id="{E3A4D52E-16E8-4CF9-9C74-FF4A6EA75734}" type="slidenum">
+            <a:fld id="{C762D7B2-E9E6-47FC-9CD8-29DB53F4C072}" type="slidenum">
               <a:rPr lang="zh-CN" altLang="en-US" smtClean="0"/>
               <a:t>‹#›</a:t>
             </a:fld>
@@ -1461,7 +1461,7 @@
     </p:spTree>
     <p:extLst>
       <p:ext uri="{BB962C8B-B14F-4D97-AF65-F5344CB8AC3E}">
-        <p14:creationId xmlns:p14="http://schemas.microsoft.com/office/powerpoint/2010/main" val="3191923820"/>
+        <p14:creationId xmlns:p14="http://schemas.microsoft.com/office/powerpoint/2010/main" val="33111034"/>
       </p:ext>
     </p:extLst>
   </p:cSld>
@@ -1493,7 +1493,7 @@
           <p:cNvPr id="2" name="标题 1">
             <a:extLst>
               <a:ext uri="{FF2B5EF4-FFF2-40B4-BE49-F238E27FC236}">
-                <a16:creationId xmlns:a16="http://schemas.microsoft.com/office/drawing/2014/main" id="{5C09CE71-D5D7-799A-EBA7-78C4D7B6A79D}"/>
+                <a16:creationId xmlns:a16="http://schemas.microsoft.com/office/drawing/2014/main" id="{8A9F13C9-3B95-DD62-19E2-5F17891AAAAF}"/>
               </a:ext>
             </a:extLst>
           </p:cNvPr>
@@ -1526,7 +1526,7 @@
           <p:cNvPr id="3" name="文本占位符 2">
             <a:extLst>
               <a:ext uri="{FF2B5EF4-FFF2-40B4-BE49-F238E27FC236}">
-                <a16:creationId xmlns:a16="http://schemas.microsoft.com/office/drawing/2014/main" id="{7B3B8885-A818-C626-F79D-5FB90249E6AA}"/>
+                <a16:creationId xmlns:a16="http://schemas.microsoft.com/office/drawing/2014/main" id="{6E577B35-CD0E-2573-5711-D414F0E85DA4}"/>
               </a:ext>
             </a:extLst>
           </p:cNvPr>
@@ -1597,7 +1597,7 @@
           <p:cNvPr id="4" name="内容占位符 3">
             <a:extLst>
               <a:ext uri="{FF2B5EF4-FFF2-40B4-BE49-F238E27FC236}">
-                <a16:creationId xmlns:a16="http://schemas.microsoft.com/office/drawing/2014/main" id="{C7877CAA-60E0-5407-0A98-ADC85333B01D}"/>
+                <a16:creationId xmlns:a16="http://schemas.microsoft.com/office/drawing/2014/main" id="{119BB9B6-65FF-CD68-EF40-1B0E0534B3FF}"/>
               </a:ext>
             </a:extLst>
           </p:cNvPr>
@@ -1659,7 +1659,7 @@
           <p:cNvPr id="5" name="文本占位符 4">
             <a:extLst>
               <a:ext uri="{FF2B5EF4-FFF2-40B4-BE49-F238E27FC236}">
-                <a16:creationId xmlns:a16="http://schemas.microsoft.com/office/drawing/2014/main" id="{F22471CA-67D3-CAEB-6595-6E9157D50468}"/>
+                <a16:creationId xmlns:a16="http://schemas.microsoft.com/office/drawing/2014/main" id="{FF23B7F5-CF21-AA92-0391-D0ECF3578FD0}"/>
               </a:ext>
             </a:extLst>
           </p:cNvPr>
@@ -1730,7 +1730,7 @@
           <p:cNvPr id="6" name="内容占位符 5">
             <a:extLst>
               <a:ext uri="{FF2B5EF4-FFF2-40B4-BE49-F238E27FC236}">
-                <a16:creationId xmlns:a16="http://schemas.microsoft.com/office/drawing/2014/main" id="{BC74D269-4A95-F196-3C9D-0ACE26112AC5}"/>
+                <a16:creationId xmlns:a16="http://schemas.microsoft.com/office/drawing/2014/main" id="{20D2E8FB-2A02-5332-14C7-FC52EB6507B2}"/>
               </a:ext>
             </a:extLst>
           </p:cNvPr>
@@ -1792,7 +1792,7 @@
           <p:cNvPr id="7" name="日期占位符 6">
             <a:extLst>
               <a:ext uri="{FF2B5EF4-FFF2-40B4-BE49-F238E27FC236}">
-                <a16:creationId xmlns:a16="http://schemas.microsoft.com/office/drawing/2014/main" id="{114DB1C3-AB12-DF57-F311-4729E4634D37}"/>
+                <a16:creationId xmlns:a16="http://schemas.microsoft.com/office/drawing/2014/main" id="{97C718F8-932B-819D-D254-3BE9EEB74CF8}"/>
               </a:ext>
             </a:extLst>
           </p:cNvPr>
@@ -1808,7 +1808,7 @@
           <a:bodyPr/>
           <a:lstStyle/>
           <a:p>
-            <a:fld id="{615513A5-2084-4B48-8724-FC0B557DC8AC}" type="datetimeFigureOut">
+            <a:fld id="{3F59244C-E820-4700-AC87-4EAE68271008}" type="datetimeFigureOut">
               <a:rPr lang="zh-CN" altLang="en-US" smtClean="0"/>
               <a:t>2024/3/10</a:t>
             </a:fld>
@@ -1821,7 +1821,7 @@
           <p:cNvPr id="8" name="页脚占位符 7">
             <a:extLst>
               <a:ext uri="{FF2B5EF4-FFF2-40B4-BE49-F238E27FC236}">
-                <a16:creationId xmlns:a16="http://schemas.microsoft.com/office/drawing/2014/main" id="{FA379249-AEC1-20B5-BC80-B8966944361C}"/>
+                <a16:creationId xmlns:a16="http://schemas.microsoft.com/office/drawing/2014/main" id="{393555B3-91B0-2B9D-B057-8E008C64CB78}"/>
               </a:ext>
             </a:extLst>
           </p:cNvPr>
@@ -1846,7 +1846,7 @@
           <p:cNvPr id="9" name="灯片编号占位符 8">
             <a:extLst>
               <a:ext uri="{FF2B5EF4-FFF2-40B4-BE49-F238E27FC236}">
-                <a16:creationId xmlns:a16="http://schemas.microsoft.com/office/drawing/2014/main" id="{EE105C07-D13A-906B-E2EB-72C7D69C3758}"/>
+                <a16:creationId xmlns:a16="http://schemas.microsoft.com/office/drawing/2014/main" id="{2022950E-5DE5-F850-6FD0-ED81FFD0D5B4}"/>
               </a:ext>
             </a:extLst>
           </p:cNvPr>
@@ -1862,7 +1862,7 @@
           <a:bodyPr/>
           <a:lstStyle/>
           <a:p>
-            <a:fld id="{E3A4D52E-16E8-4CF9-9C74-FF4A6EA75734}" type="slidenum">
+            <a:fld id="{C762D7B2-E9E6-47FC-9CD8-29DB53F4C072}" type="slidenum">
               <a:rPr lang="zh-CN" altLang="en-US" smtClean="0"/>
               <a:t>‹#›</a:t>
             </a:fld>
@@ -1873,7 +1873,7 @@
     </p:spTree>
     <p:extLst>
       <p:ext uri="{BB962C8B-B14F-4D97-AF65-F5344CB8AC3E}">
-        <p14:creationId xmlns:p14="http://schemas.microsoft.com/office/powerpoint/2010/main" val="608065637"/>
+        <p14:creationId xmlns:p14="http://schemas.microsoft.com/office/powerpoint/2010/main" val="2061793595"/>
       </p:ext>
     </p:extLst>
   </p:cSld>
@@ -1905,7 +1905,7 @@
           <p:cNvPr id="2" name="标题 1">
             <a:extLst>
               <a:ext uri="{FF2B5EF4-FFF2-40B4-BE49-F238E27FC236}">
-                <a16:creationId xmlns:a16="http://schemas.microsoft.com/office/drawing/2014/main" id="{CB1E1B79-55A4-052A-107D-86FA5D2C0451}"/>
+                <a16:creationId xmlns:a16="http://schemas.microsoft.com/office/drawing/2014/main" id="{03F311A9-3431-CA6B-7BF0-6CA3474C436C}"/>
               </a:ext>
             </a:extLst>
           </p:cNvPr>
@@ -1933,7 +1933,7 @@
           <p:cNvPr id="3" name="日期占位符 2">
             <a:extLst>
               <a:ext uri="{FF2B5EF4-FFF2-40B4-BE49-F238E27FC236}">
-                <a16:creationId xmlns:a16="http://schemas.microsoft.com/office/drawing/2014/main" id="{47C711D7-61F5-4449-4AFF-FC5CA4240B2B}"/>
+                <a16:creationId xmlns:a16="http://schemas.microsoft.com/office/drawing/2014/main" id="{81C71A58-C111-3951-C813-B52D1783ADDB}"/>
               </a:ext>
             </a:extLst>
           </p:cNvPr>
@@ -1949,7 +1949,7 @@
           <a:bodyPr/>
           <a:lstStyle/>
           <a:p>
-            <a:fld id="{615513A5-2084-4B48-8724-FC0B557DC8AC}" type="datetimeFigureOut">
+            <a:fld id="{3F59244C-E820-4700-AC87-4EAE68271008}" type="datetimeFigureOut">
               <a:rPr lang="zh-CN" altLang="en-US" smtClean="0"/>
               <a:t>2024/3/10</a:t>
             </a:fld>
@@ -1962,7 +1962,7 @@
           <p:cNvPr id="4" name="页脚占位符 3">
             <a:extLst>
               <a:ext uri="{FF2B5EF4-FFF2-40B4-BE49-F238E27FC236}">
-                <a16:creationId xmlns:a16="http://schemas.microsoft.com/office/drawing/2014/main" id="{7A085E21-8A44-F32B-7A58-B064FD3CB9EE}"/>
+                <a16:creationId xmlns:a16="http://schemas.microsoft.com/office/drawing/2014/main" id="{040D4690-FA2B-9D0A-BCE5-D665DC0F198B}"/>
               </a:ext>
             </a:extLst>
           </p:cNvPr>
@@ -1987,7 +1987,7 @@
           <p:cNvPr id="5" name="灯片编号占位符 4">
             <a:extLst>
               <a:ext uri="{FF2B5EF4-FFF2-40B4-BE49-F238E27FC236}">
-                <a16:creationId xmlns:a16="http://schemas.microsoft.com/office/drawing/2014/main" id="{8CEE2C60-FABD-9B13-54C6-1A0DE0061F95}"/>
+                <a16:creationId xmlns:a16="http://schemas.microsoft.com/office/drawing/2014/main" id="{FC48FDC7-CEAB-5FCF-0D47-FDC50E188895}"/>
               </a:ext>
             </a:extLst>
           </p:cNvPr>
@@ -2003,7 +2003,7 @@
           <a:bodyPr/>
           <a:lstStyle/>
           <a:p>
-            <a:fld id="{E3A4D52E-16E8-4CF9-9C74-FF4A6EA75734}" type="slidenum">
+            <a:fld id="{C762D7B2-E9E6-47FC-9CD8-29DB53F4C072}" type="slidenum">
               <a:rPr lang="zh-CN" altLang="en-US" smtClean="0"/>
               <a:t>‹#›</a:t>
             </a:fld>
@@ -2014,7 +2014,7 @@
     </p:spTree>
     <p:extLst>
       <p:ext uri="{BB962C8B-B14F-4D97-AF65-F5344CB8AC3E}">
-        <p14:creationId xmlns:p14="http://schemas.microsoft.com/office/powerpoint/2010/main" val="1946756824"/>
+        <p14:creationId xmlns:p14="http://schemas.microsoft.com/office/powerpoint/2010/main" val="610273322"/>
       </p:ext>
     </p:extLst>
   </p:cSld>
@@ -2046,7 +2046,7 @@
           <p:cNvPr id="2" name="日期占位符 1">
             <a:extLst>
               <a:ext uri="{FF2B5EF4-FFF2-40B4-BE49-F238E27FC236}">
-                <a16:creationId xmlns:a16="http://schemas.microsoft.com/office/drawing/2014/main" id="{F012CBC9-6EF3-B65F-D9F5-80245CB51539}"/>
+                <a16:creationId xmlns:a16="http://schemas.microsoft.com/office/drawing/2014/main" id="{A296CDAD-94D9-29D0-5C67-3FE6D755CB0F}"/>
               </a:ext>
             </a:extLst>
           </p:cNvPr>
@@ -2062,7 +2062,7 @@
           <a:bodyPr/>
           <a:lstStyle/>
           <a:p>
-            <a:fld id="{615513A5-2084-4B48-8724-FC0B557DC8AC}" type="datetimeFigureOut">
+            <a:fld id="{3F59244C-E820-4700-AC87-4EAE68271008}" type="datetimeFigureOut">
               <a:rPr lang="zh-CN" altLang="en-US" smtClean="0"/>
               <a:t>2024/3/10</a:t>
             </a:fld>
@@ -2075,7 +2075,7 @@
           <p:cNvPr id="3" name="页脚占位符 2">
             <a:extLst>
               <a:ext uri="{FF2B5EF4-FFF2-40B4-BE49-F238E27FC236}">
-                <a16:creationId xmlns:a16="http://schemas.microsoft.com/office/drawing/2014/main" id="{CFE1715C-DAC8-0FCF-938F-C070AF97A469}"/>
+                <a16:creationId xmlns:a16="http://schemas.microsoft.com/office/drawing/2014/main" id="{624874B9-77C5-C406-8098-9D08316BE779}"/>
               </a:ext>
             </a:extLst>
           </p:cNvPr>
@@ -2100,7 +2100,7 @@
           <p:cNvPr id="4" name="灯片编号占位符 3">
             <a:extLst>
               <a:ext uri="{FF2B5EF4-FFF2-40B4-BE49-F238E27FC236}">
-                <a16:creationId xmlns:a16="http://schemas.microsoft.com/office/drawing/2014/main" id="{247952AE-DDD0-15F6-BA8D-8A1E8B70EAA4}"/>
+                <a16:creationId xmlns:a16="http://schemas.microsoft.com/office/drawing/2014/main" id="{02310E06-C8A6-ED14-3FAE-A8DB6292691A}"/>
               </a:ext>
             </a:extLst>
           </p:cNvPr>
@@ -2116,7 +2116,7 @@
           <a:bodyPr/>
           <a:lstStyle/>
           <a:p>
-            <a:fld id="{E3A4D52E-16E8-4CF9-9C74-FF4A6EA75734}" type="slidenum">
+            <a:fld id="{C762D7B2-E9E6-47FC-9CD8-29DB53F4C072}" type="slidenum">
               <a:rPr lang="zh-CN" altLang="en-US" smtClean="0"/>
               <a:t>‹#›</a:t>
             </a:fld>
@@ -2127,7 +2127,7 @@
     </p:spTree>
     <p:extLst>
       <p:ext uri="{BB962C8B-B14F-4D97-AF65-F5344CB8AC3E}">
-        <p14:creationId xmlns:p14="http://schemas.microsoft.com/office/powerpoint/2010/main" val="2841465612"/>
+        <p14:creationId xmlns:p14="http://schemas.microsoft.com/office/powerpoint/2010/main" val="165768727"/>
       </p:ext>
     </p:extLst>
   </p:cSld>
@@ -2159,7 +2159,7 @@
           <p:cNvPr id="2" name="标题 1">
             <a:extLst>
               <a:ext uri="{FF2B5EF4-FFF2-40B4-BE49-F238E27FC236}">
-                <a16:creationId xmlns:a16="http://schemas.microsoft.com/office/drawing/2014/main" id="{3292E7F5-F086-D54E-1CD9-24E0C0782356}"/>
+                <a16:creationId xmlns:a16="http://schemas.microsoft.com/office/drawing/2014/main" id="{9253C39D-FB53-B1D3-1570-20C7602D5CCC}"/>
               </a:ext>
             </a:extLst>
           </p:cNvPr>
@@ -2196,7 +2196,7 @@
           <p:cNvPr id="3" name="内容占位符 2">
             <a:extLst>
               <a:ext uri="{FF2B5EF4-FFF2-40B4-BE49-F238E27FC236}">
-                <a16:creationId xmlns:a16="http://schemas.microsoft.com/office/drawing/2014/main" id="{B8F293D7-08ED-FC42-2B5D-D8EE0A09CF2D}"/>
+                <a16:creationId xmlns:a16="http://schemas.microsoft.com/office/drawing/2014/main" id="{0B9A4B20-D088-42A0-D8CA-63CD44CD7387}"/>
               </a:ext>
             </a:extLst>
           </p:cNvPr>
@@ -2286,7 +2286,7 @@
           <p:cNvPr id="4" name="文本占位符 3">
             <a:extLst>
               <a:ext uri="{FF2B5EF4-FFF2-40B4-BE49-F238E27FC236}">
-                <a16:creationId xmlns:a16="http://schemas.microsoft.com/office/drawing/2014/main" id="{511D5651-EC15-7077-39AF-4A72E0C3FF92}"/>
+                <a16:creationId xmlns:a16="http://schemas.microsoft.com/office/drawing/2014/main" id="{E7965063-11C7-A3E6-E662-AB195BE1DBE4}"/>
               </a:ext>
             </a:extLst>
           </p:cNvPr>
@@ -2357,7 +2357,7 @@
           <p:cNvPr id="5" name="日期占位符 4">
             <a:extLst>
               <a:ext uri="{FF2B5EF4-FFF2-40B4-BE49-F238E27FC236}">
-                <a16:creationId xmlns:a16="http://schemas.microsoft.com/office/drawing/2014/main" id="{C606FF95-F3E3-AF7A-1672-0C27BC51B90C}"/>
+                <a16:creationId xmlns:a16="http://schemas.microsoft.com/office/drawing/2014/main" id="{6BE072C4-CF99-A2FC-44C9-E30713639A74}"/>
               </a:ext>
             </a:extLst>
           </p:cNvPr>
@@ -2373,7 +2373,7 @@
           <a:bodyPr/>
           <a:lstStyle/>
           <a:p>
-            <a:fld id="{615513A5-2084-4B48-8724-FC0B557DC8AC}" type="datetimeFigureOut">
+            <a:fld id="{3F59244C-E820-4700-AC87-4EAE68271008}" type="datetimeFigureOut">
               <a:rPr lang="zh-CN" altLang="en-US" smtClean="0"/>
               <a:t>2024/3/10</a:t>
             </a:fld>
@@ -2386,7 +2386,7 @@
           <p:cNvPr id="6" name="页脚占位符 5">
             <a:extLst>
               <a:ext uri="{FF2B5EF4-FFF2-40B4-BE49-F238E27FC236}">
-                <a16:creationId xmlns:a16="http://schemas.microsoft.com/office/drawing/2014/main" id="{A832F7B6-723C-5322-255E-CDB0C2881C17}"/>
+                <a16:creationId xmlns:a16="http://schemas.microsoft.com/office/drawing/2014/main" id="{621582B3-CC04-9D37-F5F7-2BAF332F09CC}"/>
               </a:ext>
             </a:extLst>
           </p:cNvPr>
@@ -2411,7 +2411,7 @@
           <p:cNvPr id="7" name="灯片编号占位符 6">
             <a:extLst>
               <a:ext uri="{FF2B5EF4-FFF2-40B4-BE49-F238E27FC236}">
-                <a16:creationId xmlns:a16="http://schemas.microsoft.com/office/drawing/2014/main" id="{16655132-352A-B178-99B4-21727BFCD749}"/>
+                <a16:creationId xmlns:a16="http://schemas.microsoft.com/office/drawing/2014/main" id="{AA810E1C-A91E-E5A9-86BD-449A6596F3D9}"/>
               </a:ext>
             </a:extLst>
           </p:cNvPr>
@@ -2427,7 +2427,7 @@
           <a:bodyPr/>
           <a:lstStyle/>
           <a:p>
-            <a:fld id="{E3A4D52E-16E8-4CF9-9C74-FF4A6EA75734}" type="slidenum">
+            <a:fld id="{C762D7B2-E9E6-47FC-9CD8-29DB53F4C072}" type="slidenum">
               <a:rPr lang="zh-CN" altLang="en-US" smtClean="0"/>
               <a:t>‹#›</a:t>
             </a:fld>
@@ -2438,7 +2438,7 @@
     </p:spTree>
     <p:extLst>
       <p:ext uri="{BB962C8B-B14F-4D97-AF65-F5344CB8AC3E}">
-        <p14:creationId xmlns:p14="http://schemas.microsoft.com/office/powerpoint/2010/main" val="3528111687"/>
+        <p14:creationId xmlns:p14="http://schemas.microsoft.com/office/powerpoint/2010/main" val="2541145227"/>
       </p:ext>
     </p:extLst>
   </p:cSld>
@@ -2470,7 +2470,7 @@
           <p:cNvPr id="2" name="标题 1">
             <a:extLst>
               <a:ext uri="{FF2B5EF4-FFF2-40B4-BE49-F238E27FC236}">
-                <a16:creationId xmlns:a16="http://schemas.microsoft.com/office/drawing/2014/main" id="{41D214CD-3295-09AD-58A2-9E58F1FBB210}"/>
+                <a16:creationId xmlns:a16="http://schemas.microsoft.com/office/drawing/2014/main" id="{B69E6B29-3E97-8632-2F61-EE83B378C8C8}"/>
               </a:ext>
             </a:extLst>
           </p:cNvPr>
@@ -2507,7 +2507,7 @@
           <p:cNvPr id="3" name="图片占位符 2">
             <a:extLst>
               <a:ext uri="{FF2B5EF4-FFF2-40B4-BE49-F238E27FC236}">
-                <a16:creationId xmlns:a16="http://schemas.microsoft.com/office/drawing/2014/main" id="{8D8CAA20-73FD-3A1C-8E77-64CD1CA60B1A}"/>
+                <a16:creationId xmlns:a16="http://schemas.microsoft.com/office/drawing/2014/main" id="{D11A2CF4-F9D7-733B-8BDF-AE8C1863BBC1}"/>
               </a:ext>
             </a:extLst>
           </p:cNvPr>
@@ -2574,7 +2574,7 @@
           <p:cNvPr id="4" name="文本占位符 3">
             <a:extLst>
               <a:ext uri="{FF2B5EF4-FFF2-40B4-BE49-F238E27FC236}">
-                <a16:creationId xmlns:a16="http://schemas.microsoft.com/office/drawing/2014/main" id="{B6F48B24-78A6-4F69-41B1-0C2DEB21ECB4}"/>
+                <a16:creationId xmlns:a16="http://schemas.microsoft.com/office/drawing/2014/main" id="{13266889-FA3E-D95A-96ED-CE48DBDA8175}"/>
               </a:ext>
             </a:extLst>
           </p:cNvPr>
@@ -2645,7 +2645,7 @@
           <p:cNvPr id="5" name="日期占位符 4">
             <a:extLst>
               <a:ext uri="{FF2B5EF4-FFF2-40B4-BE49-F238E27FC236}">
-                <a16:creationId xmlns:a16="http://schemas.microsoft.com/office/drawing/2014/main" id="{98CF3173-3C75-D29C-C8B6-7D0535ACB72A}"/>
+                <a16:creationId xmlns:a16="http://schemas.microsoft.com/office/drawing/2014/main" id="{1B4BCBCA-B09A-531C-A4E9-CF0FD2A0BCF0}"/>
               </a:ext>
             </a:extLst>
           </p:cNvPr>
@@ -2661,7 +2661,7 @@
           <a:bodyPr/>
           <a:lstStyle/>
           <a:p>
-            <a:fld id="{615513A5-2084-4B48-8724-FC0B557DC8AC}" type="datetimeFigureOut">
+            <a:fld id="{3F59244C-E820-4700-AC87-4EAE68271008}" type="datetimeFigureOut">
               <a:rPr lang="zh-CN" altLang="en-US" smtClean="0"/>
               <a:t>2024/3/10</a:t>
             </a:fld>
@@ -2674,7 +2674,7 @@
           <p:cNvPr id="6" name="页脚占位符 5">
             <a:extLst>
               <a:ext uri="{FF2B5EF4-FFF2-40B4-BE49-F238E27FC236}">
-                <a16:creationId xmlns:a16="http://schemas.microsoft.com/office/drawing/2014/main" id="{64BDC0A1-C5B4-F556-19AC-C1035D1A4613}"/>
+                <a16:creationId xmlns:a16="http://schemas.microsoft.com/office/drawing/2014/main" id="{6D75F142-3A4D-A66F-983F-9FD6DA130268}"/>
               </a:ext>
             </a:extLst>
           </p:cNvPr>
@@ -2699,7 +2699,7 @@
           <p:cNvPr id="7" name="灯片编号占位符 6">
             <a:extLst>
               <a:ext uri="{FF2B5EF4-FFF2-40B4-BE49-F238E27FC236}">
-                <a16:creationId xmlns:a16="http://schemas.microsoft.com/office/drawing/2014/main" id="{ADDCF0D1-C555-E01A-46EC-01FE1C641F1B}"/>
+                <a16:creationId xmlns:a16="http://schemas.microsoft.com/office/drawing/2014/main" id="{F74C59C4-EE61-D72C-BA02-9E2002DD1372}"/>
               </a:ext>
             </a:extLst>
           </p:cNvPr>
@@ -2715,7 +2715,7 @@
           <a:bodyPr/>
           <a:lstStyle/>
           <a:p>
-            <a:fld id="{E3A4D52E-16E8-4CF9-9C74-FF4A6EA75734}" type="slidenum">
+            <a:fld id="{C762D7B2-E9E6-47FC-9CD8-29DB53F4C072}" type="slidenum">
               <a:rPr lang="zh-CN" altLang="en-US" smtClean="0"/>
               <a:t>‹#›</a:t>
             </a:fld>
@@ -2726,7 +2726,7 @@
     </p:spTree>
     <p:extLst>
       <p:ext uri="{BB962C8B-B14F-4D97-AF65-F5344CB8AC3E}">
-        <p14:creationId xmlns:p14="http://schemas.microsoft.com/office/powerpoint/2010/main" val="4055347330"/>
+        <p14:creationId xmlns:p14="http://schemas.microsoft.com/office/powerpoint/2010/main" val="1297837080"/>
       </p:ext>
     </p:extLst>
   </p:cSld>
@@ -2763,7 +2763,7 @@
           <p:cNvPr id="2" name="标题占位符 1">
             <a:extLst>
               <a:ext uri="{FF2B5EF4-FFF2-40B4-BE49-F238E27FC236}">
-                <a16:creationId xmlns:a16="http://schemas.microsoft.com/office/drawing/2014/main" id="{0416A83D-C257-8C03-C494-B3468A51CA9A}"/>
+                <a16:creationId xmlns:a16="http://schemas.microsoft.com/office/drawing/2014/main" id="{F1EF57F1-7D34-E379-5CE7-F4130B22B036}"/>
               </a:ext>
             </a:extLst>
           </p:cNvPr>
@@ -2801,7 +2801,7 @@
           <p:cNvPr id="3" name="文本占位符 2">
             <a:extLst>
               <a:ext uri="{FF2B5EF4-FFF2-40B4-BE49-F238E27FC236}">
-                <a16:creationId xmlns:a16="http://schemas.microsoft.com/office/drawing/2014/main" id="{BD761383-2D3C-9FB8-712A-E01F40980289}"/>
+                <a16:creationId xmlns:a16="http://schemas.microsoft.com/office/drawing/2014/main" id="{56F8976A-87B2-CBCC-E700-BF22A967D364}"/>
               </a:ext>
             </a:extLst>
           </p:cNvPr>
@@ -2868,7 +2868,7 @@
           <p:cNvPr id="4" name="日期占位符 3">
             <a:extLst>
               <a:ext uri="{FF2B5EF4-FFF2-40B4-BE49-F238E27FC236}">
-                <a16:creationId xmlns:a16="http://schemas.microsoft.com/office/drawing/2014/main" id="{F0E197DD-439B-732C-EE0B-141B7C453C7E}"/>
+                <a16:creationId xmlns:a16="http://schemas.microsoft.com/office/drawing/2014/main" id="{D556FE24-AD19-0CD1-3889-7445296C7693}"/>
               </a:ext>
             </a:extLst>
           </p:cNvPr>
@@ -2902,7 +2902,7 @@
             </a:lvl1pPr>
           </a:lstStyle>
           <a:p>
-            <a:fld id="{615513A5-2084-4B48-8724-FC0B557DC8AC}" type="datetimeFigureOut">
+            <a:fld id="{3F59244C-E820-4700-AC87-4EAE68271008}" type="datetimeFigureOut">
               <a:rPr lang="zh-CN" altLang="en-US" smtClean="0"/>
               <a:t>2024/3/10</a:t>
             </a:fld>
@@ -2915,7 +2915,7 @@
           <p:cNvPr id="5" name="页脚占位符 4">
             <a:extLst>
               <a:ext uri="{FF2B5EF4-FFF2-40B4-BE49-F238E27FC236}">
-                <a16:creationId xmlns:a16="http://schemas.microsoft.com/office/drawing/2014/main" id="{9DE2027A-A500-0B74-73B7-0DE9749694AD}"/>
+                <a16:creationId xmlns:a16="http://schemas.microsoft.com/office/drawing/2014/main" id="{B74777A0-EABE-F7A4-6268-0537C9DED619}"/>
               </a:ext>
             </a:extLst>
           </p:cNvPr>
@@ -2958,7 +2958,7 @@
           <p:cNvPr id="6" name="灯片编号占位符 5">
             <a:extLst>
               <a:ext uri="{FF2B5EF4-FFF2-40B4-BE49-F238E27FC236}">
-                <a16:creationId xmlns:a16="http://schemas.microsoft.com/office/drawing/2014/main" id="{1800D900-D638-DD40-16B7-6511EF21664F}"/>
+                <a16:creationId xmlns:a16="http://schemas.microsoft.com/office/drawing/2014/main" id="{C8FA2068-E705-D0D3-7C74-BFFD5F5B8B8D}"/>
               </a:ext>
             </a:extLst>
           </p:cNvPr>
@@ -2992,7 +2992,7 @@
             </a:lvl1pPr>
           </a:lstStyle>
           <a:p>
-            <a:fld id="{E3A4D52E-16E8-4CF9-9C74-FF4A6EA75734}" type="slidenum">
+            <a:fld id="{C762D7B2-E9E6-47FC-9CD8-29DB53F4C072}" type="slidenum">
               <a:rPr lang="zh-CN" altLang="en-US" smtClean="0"/>
               <a:t>‹#›</a:t>
             </a:fld>
@@ -3003,7 +3003,7 @@
     </p:spTree>
     <p:extLst>
       <p:ext uri="{BB962C8B-B14F-4D97-AF65-F5344CB8AC3E}">
-        <p14:creationId xmlns:p14="http://schemas.microsoft.com/office/powerpoint/2010/main" val="1859078340"/>
+        <p14:creationId xmlns:p14="http://schemas.microsoft.com/office/powerpoint/2010/main" val="3237755126"/>
       </p:ext>
     </p:extLst>
   </p:cSld>
@@ -3323,7 +3323,7 @@
       </p:grpSpPr>
       <p:pic>
         <p:nvPicPr>
-          <p:cNvPr id="1606658" name="Picture 2" descr="1568"/>
+          <p:cNvPr id="1607682" name="Picture 2" descr="1569"/>
           <p:cNvPicPr>
             <a:picLocks noChangeAspect="1" noChangeArrowheads="1"/>
           </p:cNvPicPr>
@@ -3344,8 +3344,8 @@
         </p:blipFill>
         <p:spPr bwMode="auto">
           <a:xfrm>
-            <a:off x="1524000" y="0"/>
-            <a:ext cx="9018588" cy="6764338"/>
+            <a:off x="1524000" y="1588"/>
+            <a:ext cx="9144000" cy="6380162"/>
           </a:xfrm>
           <a:prstGeom prst="rect">
             <a:avLst/>
@@ -3375,11 +3375,158 @@
           </a:extLst>
         </p:spPr>
       </p:pic>
+      <p:pic>
+        <p:nvPicPr>
+          <p:cNvPr id="1608707" name="Picture 3" descr="1569-2"/>
+          <p:cNvPicPr>
+            <a:picLocks noChangeAspect="1" noChangeArrowheads="1"/>
+          </p:cNvPicPr>
+          <p:nvPr/>
+        </p:nvPicPr>
+        <p:blipFill>
+          <a:blip r:embed="rId3">
+            <a:extLst>
+              <a:ext uri="{28A0092B-C50C-407E-A947-70E740481C1C}">
+                <a14:useLocalDpi xmlns:a14="http://schemas.microsoft.com/office/drawing/2010/main" val="0"/>
+              </a:ext>
+            </a:extLst>
+          </a:blip>
+          <a:srcRect/>
+          <a:stretch>
+            <a:fillRect/>
+          </a:stretch>
+        </p:blipFill>
+        <p:spPr bwMode="auto">
+          <a:xfrm>
+            <a:off x="1524000" y="0"/>
+            <a:ext cx="9144000" cy="6381750"/>
+          </a:xfrm>
+          <a:prstGeom prst="rect">
+            <a:avLst/>
+          </a:prstGeom>
+          <a:noFill/>
+          <a:ln>
+            <a:noFill/>
+          </a:ln>
+          <a:effectLst/>
+          <a:extLst>
+            <a:ext uri="{909E8E84-426E-40DD-AFC4-6F175D3DCCD1}">
+              <a14:hiddenFill xmlns:a14="http://schemas.microsoft.com/office/drawing/2010/main">
+                <a:solidFill>
+                  <a:srgbClr val="FFFFFF"/>
+                </a:solidFill>
+              </a14:hiddenFill>
+            </a:ext>
+            <a:ext uri="{91240B29-F687-4F45-9708-019B960494DF}">
+              <a14:hiddenLine xmlns:a14="http://schemas.microsoft.com/office/drawing/2010/main" w="9525">
+                <a:solidFill>
+                  <a:srgbClr val="000000"/>
+                </a:solidFill>
+                <a:miter lim="800000"/>
+                <a:headEnd/>
+                <a:tailEnd/>
+              </a14:hiddenLine>
+            </a:ext>
+            <a:ext uri="{AF507438-7753-43E0-B8FC-AC1667EBCBE1}">
+              <a14:hiddenEffects xmlns:a14="http://schemas.microsoft.com/office/drawing/2010/main">
+                <a:effectLst>
+                  <a:outerShdw dist="35921" dir="2700000" algn="ctr" rotWithShape="0">
+                    <a:srgbClr val="808080"/>
+                  </a:outerShdw>
+                </a:effectLst>
+              </a14:hiddenEffects>
+            </a:ext>
+          </a:extLst>
+        </p:spPr>
+      </p:pic>
     </p:spTree>
   </p:cSld>
   <p:clrMapOvr>
     <a:masterClrMapping/>
   </p:clrMapOvr>
+  <p:timing>
+    <p:tnLst>
+      <p:par>
+        <p:cTn id="1" dur="indefinite" restart="never" nodeType="tmRoot">
+          <p:childTnLst>
+            <p:seq concurrent="1" nextAc="seek">
+              <p:cTn id="2" dur="indefinite" nodeType="mainSeq">
+                <p:childTnLst>
+                  <p:par>
+                    <p:cTn id="3" fill="hold" nodeType="clickPar">
+                      <p:stCondLst>
+                        <p:cond delay="indefinite"/>
+                      </p:stCondLst>
+                      <p:childTnLst>
+                        <p:par>
+                          <p:cTn id="4" fill="hold" nodeType="withGroup">
+                            <p:stCondLst>
+                              <p:cond delay="0"/>
+                            </p:stCondLst>
+                            <p:childTnLst>
+                              <p:par>
+                                <p:cTn id="5" presetID="10" presetClass="entr" presetSubtype="0" fill="hold" nodeType="clickEffect">
+                                  <p:stCondLst>
+                                    <p:cond delay="0"/>
+                                  </p:stCondLst>
+                                  <p:childTnLst>
+                                    <p:set>
+                                      <p:cBhvr>
+                                        <p:cTn id="6" dur="1" fill="hold">
+                                          <p:stCondLst>
+                                            <p:cond delay="0"/>
+                                          </p:stCondLst>
+                                        </p:cTn>
+                                        <p:tgtEl>
+                                          <p:spTgt spid="1608707"/>
+                                        </p:tgtEl>
+                                        <p:attrNameLst>
+                                          <p:attrName>style.visibility</p:attrName>
+                                        </p:attrNameLst>
+                                      </p:cBhvr>
+                                      <p:to>
+                                        <p:strVal val="visible"/>
+                                      </p:to>
+                                    </p:set>
+                                    <p:animEffect transition="in" filter="fade">
+                                      <p:cBhvr>
+                                        <p:cTn id="7" dur="500"/>
+                                        <p:tgtEl>
+                                          <p:spTgt spid="1608707"/>
+                                        </p:tgtEl>
+                                      </p:cBhvr>
+                                    </p:animEffect>
+                                  </p:childTnLst>
+                                </p:cTn>
+                              </p:par>
+                            </p:childTnLst>
+                          </p:cTn>
+                        </p:par>
+                      </p:childTnLst>
+                    </p:cTn>
+                  </p:par>
+                </p:childTnLst>
+              </p:cTn>
+              <p:prevCondLst>
+                <p:cond evt="onPrev" delay="0">
+                  <p:tgtEl>
+                    <p:sldTgt/>
+                  </p:tgtEl>
+                </p:cond>
+              </p:prevCondLst>
+              <p:nextCondLst>
+                <p:cond evt="onNext" delay="0">
+                  <p:tgtEl>
+                    <p:sldTgt/>
+                  </p:tgtEl>
+                </p:cond>
+              </p:nextCondLst>
+            </p:seq>
+          </p:childTnLst>
+        </p:cTn>
+      </p:par>
+    </p:tnLst>
+  </p:timing>
 </p:sld>
 </file>
 
